--- a/DS 2/DS 1/OUTRA VEZ.pptx
+++ b/DS 2/DS 1/OUTRA VEZ.pptx
@@ -11,8 +11,13 @@
     <p:sldId id="265" r:id="rId5"/>
     <p:sldId id="266" r:id="rId6"/>
     <p:sldId id="267" r:id="rId7"/>
-    <p:sldId id="269" r:id="rId8"/>
-    <p:sldId id="270" r:id="rId9"/>
+    <p:sldId id="272" r:id="rId8"/>
+    <p:sldId id="269" r:id="rId9"/>
+    <p:sldId id="270" r:id="rId10"/>
+    <p:sldId id="273" r:id="rId11"/>
+    <p:sldId id="274" r:id="rId12"/>
+    <p:sldId id="275" r:id="rId13"/>
+    <p:sldId id="276" r:id="rId14"/>
   </p:sldIdLst>
   <p:sldSz cx="12192000" cy="6858000"/>
   <p:notesSz cx="6858000" cy="9144000"/>
@@ -876,7 +881,7 @@
             <a:fld id="{B61BEF0D-F0BB-DE4B-95CE-6DB70DBA9567}" type="datetimeFigureOut">
               <a:rPr lang="en-US" dirty="0"/>
               <a:pPr/>
-              <a:t>10/3/2018</a:t>
+              <a:t>12/24/2023</a:t>
             </a:fld>
             <a:endParaRPr lang="en-US" dirty="0"/>
           </a:p>
@@ -1124,7 +1129,7 @@
             <a:fld id="{B61BEF0D-F0BB-DE4B-95CE-6DB70DBA9567}" type="datetimeFigureOut">
               <a:rPr lang="en-US" dirty="0"/>
               <a:pPr/>
-              <a:t>10/3/2018</a:t>
+              <a:t>12/24/2023</a:t>
             </a:fld>
             <a:endParaRPr lang="en-US" dirty="0"/>
           </a:p>
@@ -1435,7 +1440,7 @@
             <a:fld id="{B61BEF0D-F0BB-DE4B-95CE-6DB70DBA9567}" type="datetimeFigureOut">
               <a:rPr lang="en-US" dirty="0"/>
               <a:pPr/>
-              <a:t>10/3/2018</a:t>
+              <a:t>12/24/2023</a:t>
             </a:fld>
             <a:endParaRPr lang="en-US" dirty="0"/>
           </a:p>
@@ -1765,7 +1770,7 @@
             <a:fld id="{B61BEF0D-F0BB-DE4B-95CE-6DB70DBA9567}" type="datetimeFigureOut">
               <a:rPr lang="en-US" dirty="0"/>
               <a:pPr/>
-              <a:t>10/3/2018</a:t>
+              <a:t>12/24/2023</a:t>
             </a:fld>
             <a:endParaRPr lang="en-US" dirty="0"/>
           </a:p>
@@ -2076,7 +2081,7 @@
             <a:fld id="{B61BEF0D-F0BB-DE4B-95CE-6DB70DBA9567}" type="datetimeFigureOut">
               <a:rPr lang="en-US" dirty="0"/>
               <a:pPr/>
-              <a:t>10/3/2018</a:t>
+              <a:t>12/24/2023</a:t>
             </a:fld>
             <a:endParaRPr lang="en-US" dirty="0"/>
           </a:p>
@@ -2466,7 +2471,7 @@
             <a:fld id="{B61BEF0D-F0BB-DE4B-95CE-6DB70DBA9567}" type="datetimeFigureOut">
               <a:rPr lang="en-US" dirty="0"/>
               <a:pPr/>
-              <a:t>10/3/2018</a:t>
+              <a:t>12/24/2023</a:t>
             </a:fld>
             <a:endParaRPr lang="en-US" dirty="0"/>
           </a:p>
@@ -2632,7 +2637,7 @@
           <a:p>
             <a:fld id="{55C6B4A9-1611-4792-9094-5F34BCA07E0B}" type="datetimeFigureOut">
               <a:rPr lang="en-US" dirty="0"/>
-              <a:t>10/3/2018</a:t>
+              <a:t>12/24/2023</a:t>
             </a:fld>
             <a:endParaRPr lang="en-US" dirty="0"/>
           </a:p>
@@ -2808,7 +2813,7 @@
             <a:fld id="{B61BEF0D-F0BB-DE4B-95CE-6DB70DBA9567}" type="datetimeFigureOut">
               <a:rPr lang="en-US" dirty="0"/>
               <a:pPr/>
-              <a:t>10/3/2018</a:t>
+              <a:t>12/24/2023</a:t>
             </a:fld>
             <a:endParaRPr lang="en-US" dirty="0"/>
           </a:p>
@@ -2974,7 +2979,7 @@
           <a:p>
             <a:fld id="{42A54C80-263E-416B-A8E0-580EDEADCBDC}" type="datetimeFigureOut">
               <a:rPr lang="en-US" dirty="0"/>
-              <a:t>10/3/2018</a:t>
+              <a:t>12/24/2023</a:t>
             </a:fld>
             <a:endParaRPr lang="en-US" dirty="0"/>
           </a:p>
@@ -3217,7 +3222,7 @@
             <a:fld id="{B61BEF0D-F0BB-DE4B-95CE-6DB70DBA9567}" type="datetimeFigureOut">
               <a:rPr lang="en-US" dirty="0"/>
               <a:pPr/>
-              <a:t>10/3/2018</a:t>
+              <a:t>12/24/2023</a:t>
             </a:fld>
             <a:endParaRPr lang="en-US" dirty="0"/>
           </a:p>
@@ -3445,7 +3450,7 @@
           <a:p>
             <a:fld id="{42A54C80-263E-416B-A8E0-580EDEADCBDC}" type="datetimeFigureOut">
               <a:rPr lang="en-US" dirty="0"/>
-              <a:t>10/3/2018</a:t>
+              <a:t>12/24/2023</a:t>
             </a:fld>
             <a:endParaRPr lang="en-US" dirty="0"/>
           </a:p>
@@ -3815,7 +3820,7 @@
             <a:fld id="{B61BEF0D-F0BB-DE4B-95CE-6DB70DBA9567}" type="datetimeFigureOut">
               <a:rPr lang="en-US" dirty="0"/>
               <a:pPr/>
-              <a:t>10/3/2018</a:t>
+              <a:t>12/24/2023</a:t>
             </a:fld>
             <a:endParaRPr lang="en-US" dirty="0"/>
           </a:p>
@@ -3935,7 +3940,7 @@
             <a:fld id="{B61BEF0D-F0BB-DE4B-95CE-6DB70DBA9567}" type="datetimeFigureOut">
               <a:rPr lang="en-US" dirty="0"/>
               <a:pPr/>
-              <a:t>10/3/2018</a:t>
+              <a:t>12/24/2023</a:t>
             </a:fld>
             <a:endParaRPr lang="en-US" dirty="0"/>
           </a:p>
@@ -4027,7 +4032,7 @@
             <a:fld id="{B61BEF0D-F0BB-DE4B-95CE-6DB70DBA9567}" type="datetimeFigureOut">
               <a:rPr lang="en-US" dirty="0"/>
               <a:pPr/>
-              <a:t>10/3/2018</a:t>
+              <a:t>12/24/2023</a:t>
             </a:fld>
             <a:endParaRPr lang="en-US" dirty="0"/>
           </a:p>
@@ -4278,7 +4283,7 @@
           <a:p>
             <a:fld id="{42A54C80-263E-416B-A8E0-580EDEADCBDC}" type="datetimeFigureOut">
               <a:rPr lang="en-US" dirty="0"/>
-              <a:t>10/3/2018</a:t>
+              <a:t>12/24/2023</a:t>
             </a:fld>
             <a:endParaRPr lang="en-US" dirty="0"/>
           </a:p>
@@ -4580,7 +4585,7 @@
             <a:fld id="{B61BEF0D-F0BB-DE4B-95CE-6DB70DBA9567}" type="datetimeFigureOut">
               <a:rPr lang="en-US" dirty="0"/>
               <a:pPr/>
-              <a:t>10/3/2018</a:t>
+              <a:t>12/24/2023</a:t>
             </a:fld>
             <a:endParaRPr lang="en-US" dirty="0"/>
           </a:p>
@@ -5278,7 +5283,7 @@
             <a:fld id="{B61BEF0D-F0BB-DE4B-95CE-6DB70DBA9567}" type="datetimeFigureOut">
               <a:rPr lang="en-US" dirty="0"/>
               <a:pPr/>
-              <a:t>10/3/2018</a:t>
+              <a:t>12/24/2023</a:t>
             </a:fld>
             <a:endParaRPr lang="en-US" dirty="0"/>
           </a:p>
@@ -5877,6 +5882,343 @@
 </p:sld>
 </file>
 
+<file path=ppt/slides/slide10.xml><?xml version="1.0" encoding="utf-8"?>
+<p:sld xmlns:a="http://schemas.openxmlformats.org/drawingml/2006/main" xmlns:r="http://schemas.openxmlformats.org/officeDocument/2006/relationships" xmlns:p="http://schemas.openxmlformats.org/presentationml/2006/main" showMasterSp="0">
+  <p:cSld>
+    <p:bg>
+      <p:bgPr>
+        <a:blipFill dpi="0" rotWithShape="1">
+          <a:blip r:embed="rId2">
+            <a:lum/>
+          </a:blip>
+          <a:srcRect/>
+          <a:stretch>
+            <a:fillRect/>
+          </a:stretch>
+        </a:blipFill>
+        <a:effectLst/>
+      </p:bgPr>
+    </p:bg>
+    <p:spTree>
+      <p:nvGrpSpPr>
+        <p:cNvPr id="1" name=""/>
+        <p:cNvGrpSpPr/>
+        <p:nvPr/>
+      </p:nvGrpSpPr>
+      <p:grpSpPr>
+        <a:xfrm>
+          <a:off x="0" y="0"/>
+          <a:ext cx="0" cy="0"/>
+          <a:chOff x="0" y="0"/>
+          <a:chExt cx="0" cy="0"/>
+        </a:xfrm>
+      </p:grpSpPr>
+      <p:sp>
+        <p:nvSpPr>
+          <p:cNvPr id="2" name="Título 1"/>
+          <p:cNvSpPr>
+            <a:spLocks noGrp="1"/>
+          </p:cNvSpPr>
+          <p:nvPr>
+            <p:ph type="ctrTitle"/>
+          </p:nvPr>
+        </p:nvSpPr>
+        <p:spPr>
+          <a:xfrm>
+            <a:off x="228064" y="2063606"/>
+            <a:ext cx="11735872" cy="3711692"/>
+          </a:xfrm>
+        </p:spPr>
+        <p:txBody>
+          <a:bodyPr/>
+          <a:lstStyle/>
+          <a:p>
+            <a:pPr algn="ctr"/>
+            <a:r>
+              <a:rPr lang="pt-BR" sz="8000" b="1" dirty="0">
+                <a:solidFill>
+                  <a:schemeClr val="tx1"/>
+                </a:solidFill>
+                <a:latin typeface="Arial Black" pitchFamily="34" charset="0"/>
+                <a:cs typeface="Aharoni" panose="02010803020104030203" pitchFamily="2" charset="-79"/>
+              </a:rPr>
+              <a:t>MAS A CRUZ NÃO CONSEGUIU VENCER O AUTOR DA MINHA VIDA</a:t>
+            </a:r>
+          </a:p>
+        </p:txBody>
+      </p:sp>
+    </p:spTree>
+    <p:extLst>
+      <p:ext uri="{BB962C8B-B14F-4D97-AF65-F5344CB8AC3E}">
+        <p14:creationId xmlns:p14="http://schemas.microsoft.com/office/powerpoint/2010/main" val="3314967538"/>
+      </p:ext>
+    </p:extLst>
+  </p:cSld>
+  <p:clrMapOvr>
+    <a:masterClrMapping/>
+  </p:clrMapOvr>
+</p:sld>
+</file>
+
+<file path=ppt/slides/slide11.xml><?xml version="1.0" encoding="utf-8"?>
+<p:sld xmlns:a="http://schemas.openxmlformats.org/drawingml/2006/main" xmlns:r="http://schemas.openxmlformats.org/officeDocument/2006/relationships" xmlns:p="http://schemas.openxmlformats.org/presentationml/2006/main" showMasterSp="0">
+  <p:cSld>
+    <p:bg>
+      <p:bgPr>
+        <a:blipFill dpi="0" rotWithShape="1">
+          <a:blip r:embed="rId2">
+            <a:lum/>
+          </a:blip>
+          <a:srcRect/>
+          <a:stretch>
+            <a:fillRect/>
+          </a:stretch>
+        </a:blipFill>
+        <a:effectLst/>
+      </p:bgPr>
+    </p:bg>
+    <p:spTree>
+      <p:nvGrpSpPr>
+        <p:cNvPr id="1" name=""/>
+        <p:cNvGrpSpPr/>
+        <p:nvPr/>
+      </p:nvGrpSpPr>
+      <p:grpSpPr>
+        <a:xfrm>
+          <a:off x="0" y="0"/>
+          <a:ext cx="0" cy="0"/>
+          <a:chOff x="0" y="0"/>
+          <a:chExt cx="0" cy="0"/>
+        </a:xfrm>
+      </p:grpSpPr>
+      <p:sp>
+        <p:nvSpPr>
+          <p:cNvPr id="2" name="Título 1"/>
+          <p:cNvSpPr>
+            <a:spLocks noGrp="1"/>
+          </p:cNvSpPr>
+          <p:nvPr>
+            <p:ph type="ctrTitle"/>
+          </p:nvPr>
+        </p:nvSpPr>
+        <p:spPr>
+          <a:xfrm>
+            <a:off x="228064" y="2063606"/>
+            <a:ext cx="11735872" cy="3711692"/>
+          </a:xfrm>
+        </p:spPr>
+        <p:txBody>
+          <a:bodyPr/>
+          <a:lstStyle/>
+          <a:p>
+            <a:pPr algn="ctr"/>
+            <a:r>
+              <a:rPr lang="pt-BR" sz="8000" b="0" i="0" dirty="0">
+                <a:solidFill>
+                  <a:schemeClr val="tx1"/>
+                </a:solidFill>
+                <a:effectLst/>
+                <a:latin typeface="Arial Black" panose="020B0A04020102020204" pitchFamily="34" charset="0"/>
+              </a:rPr>
+              <a:t>ALELUIA, CRISTO REVIVEU</a:t>
+            </a:r>
+            <a:br>
+              <a:rPr lang="pt-BR" sz="8000" dirty="0">
+                <a:solidFill>
+                  <a:schemeClr val="tx1"/>
+                </a:solidFill>
+                <a:latin typeface="Arial Black" panose="020B0A04020102020204" pitchFamily="34" charset="0"/>
+              </a:rPr>
+            </a:br>
+            <a:r>
+              <a:rPr lang="pt-BR" sz="8000" b="0" i="0" dirty="0">
+                <a:solidFill>
+                  <a:schemeClr val="tx1"/>
+                </a:solidFill>
+                <a:effectLst/>
+                <a:latin typeface="Arial Black" panose="020B0A04020102020204" pitchFamily="34" charset="0"/>
+              </a:rPr>
+              <a:t>ENTRE NÓS VIVE OUTRA VEZ</a:t>
+            </a:r>
+            <a:endParaRPr lang="pt-BR" sz="34400" b="1" dirty="0">
+              <a:solidFill>
+                <a:schemeClr val="tx1"/>
+              </a:solidFill>
+              <a:latin typeface="Arial Black" panose="020B0A04020102020204" pitchFamily="34" charset="0"/>
+              <a:cs typeface="Aharoni" panose="02010803020104030203" pitchFamily="2" charset="-79"/>
+            </a:endParaRPr>
+          </a:p>
+        </p:txBody>
+      </p:sp>
+    </p:spTree>
+    <p:extLst>
+      <p:ext uri="{BB962C8B-B14F-4D97-AF65-F5344CB8AC3E}">
+        <p14:creationId xmlns:p14="http://schemas.microsoft.com/office/powerpoint/2010/main" val="4263026487"/>
+      </p:ext>
+    </p:extLst>
+  </p:cSld>
+  <p:clrMapOvr>
+    <a:masterClrMapping/>
+  </p:clrMapOvr>
+</p:sld>
+</file>
+
+<file path=ppt/slides/slide12.xml><?xml version="1.0" encoding="utf-8"?>
+<p:sld xmlns:a="http://schemas.openxmlformats.org/drawingml/2006/main" xmlns:r="http://schemas.openxmlformats.org/officeDocument/2006/relationships" xmlns:p="http://schemas.openxmlformats.org/presentationml/2006/main" showMasterSp="0">
+  <p:cSld>
+    <p:bg>
+      <p:bgPr>
+        <a:blipFill dpi="0" rotWithShape="1">
+          <a:blip r:embed="rId2">
+            <a:lum/>
+          </a:blip>
+          <a:srcRect/>
+          <a:stretch>
+            <a:fillRect/>
+          </a:stretch>
+        </a:blipFill>
+        <a:effectLst/>
+      </p:bgPr>
+    </p:bg>
+    <p:spTree>
+      <p:nvGrpSpPr>
+        <p:cNvPr id="1" name=""/>
+        <p:cNvGrpSpPr/>
+        <p:nvPr/>
+      </p:nvGrpSpPr>
+      <p:grpSpPr>
+        <a:xfrm>
+          <a:off x="0" y="0"/>
+          <a:ext cx="0" cy="0"/>
+          <a:chOff x="0" y="0"/>
+          <a:chExt cx="0" cy="0"/>
+        </a:xfrm>
+      </p:grpSpPr>
+      <p:sp>
+        <p:nvSpPr>
+          <p:cNvPr id="2" name="Título 1"/>
+          <p:cNvSpPr>
+            <a:spLocks noGrp="1"/>
+          </p:cNvSpPr>
+          <p:nvPr>
+            <p:ph type="ctrTitle"/>
+          </p:nvPr>
+        </p:nvSpPr>
+        <p:spPr>
+          <a:xfrm>
+            <a:off x="228064" y="2288893"/>
+            <a:ext cx="11735872" cy="3711692"/>
+          </a:xfrm>
+        </p:spPr>
+        <p:txBody>
+          <a:bodyPr/>
+          <a:lstStyle/>
+          <a:p>
+            <a:pPr algn="ctr"/>
+            <a:r>
+              <a:rPr lang="pt-BR" sz="8000" b="1" dirty="0">
+                <a:solidFill>
+                  <a:schemeClr val="tx1"/>
+                </a:solidFill>
+                <a:latin typeface="Arial Black" pitchFamily="34" charset="0"/>
+                <a:cs typeface="Aharoni" panose="02010803020104030203" pitchFamily="2" charset="-79"/>
+              </a:rPr>
+              <a:t>NOVAMENTE EU POSSO ADORAR EM ESPÍRITO E EM VERDADE</a:t>
+            </a:r>
+          </a:p>
+        </p:txBody>
+      </p:sp>
+    </p:spTree>
+    <p:extLst>
+      <p:ext uri="{BB962C8B-B14F-4D97-AF65-F5344CB8AC3E}">
+        <p14:creationId xmlns:p14="http://schemas.microsoft.com/office/powerpoint/2010/main" val="2249692496"/>
+      </p:ext>
+    </p:extLst>
+  </p:cSld>
+  <p:clrMapOvr>
+    <a:masterClrMapping/>
+  </p:clrMapOvr>
+</p:sld>
+</file>
+
+<file path=ppt/slides/slide13.xml><?xml version="1.0" encoding="utf-8"?>
+<p:sld xmlns:a="http://schemas.openxmlformats.org/drawingml/2006/main" xmlns:r="http://schemas.openxmlformats.org/officeDocument/2006/relationships" xmlns:p="http://schemas.openxmlformats.org/presentationml/2006/main" showMasterSp="0">
+  <p:cSld>
+    <p:bg>
+      <p:bgPr>
+        <a:blipFill dpi="0" rotWithShape="1">
+          <a:blip r:embed="rId2">
+            <a:lum/>
+          </a:blip>
+          <a:srcRect/>
+          <a:stretch>
+            <a:fillRect/>
+          </a:stretch>
+        </a:blipFill>
+        <a:effectLst/>
+      </p:bgPr>
+    </p:bg>
+    <p:spTree>
+      <p:nvGrpSpPr>
+        <p:cNvPr id="1" name=""/>
+        <p:cNvGrpSpPr/>
+        <p:nvPr/>
+      </p:nvGrpSpPr>
+      <p:grpSpPr>
+        <a:xfrm>
+          <a:off x="0" y="0"/>
+          <a:ext cx="0" cy="0"/>
+          <a:chOff x="0" y="0"/>
+          <a:chExt cx="0" cy="0"/>
+        </a:xfrm>
+      </p:grpSpPr>
+      <p:sp>
+        <p:nvSpPr>
+          <p:cNvPr id="2" name="Título 1"/>
+          <p:cNvSpPr>
+            <a:spLocks noGrp="1"/>
+          </p:cNvSpPr>
+          <p:nvPr>
+            <p:ph type="ctrTitle"/>
+          </p:nvPr>
+        </p:nvSpPr>
+        <p:spPr>
+          <a:xfrm>
+            <a:off x="228064" y="2143119"/>
+            <a:ext cx="11735872" cy="3711692"/>
+          </a:xfrm>
+        </p:spPr>
+        <p:txBody>
+          <a:bodyPr/>
+          <a:lstStyle/>
+          <a:p>
+            <a:pPr algn="ctr"/>
+            <a:r>
+              <a:rPr lang="pt-BR" sz="8000" b="1" dirty="0">
+                <a:solidFill>
+                  <a:schemeClr val="tx1"/>
+                </a:solidFill>
+                <a:latin typeface="Arial Black" pitchFamily="34" charset="0"/>
+                <a:cs typeface="Aharoni" panose="02010803020104030203" pitchFamily="2" charset="-79"/>
+              </a:rPr>
+              <a:t>DECLARAR DE NOVO MEU AMOR A JESUS  MEU REI MEU SALVADOR</a:t>
+            </a:r>
+          </a:p>
+        </p:txBody>
+      </p:sp>
+    </p:spTree>
+    <p:extLst>
+      <p:ext uri="{BB962C8B-B14F-4D97-AF65-F5344CB8AC3E}">
+        <p14:creationId xmlns:p14="http://schemas.microsoft.com/office/powerpoint/2010/main" val="877215891"/>
+      </p:ext>
+    </p:extLst>
+  </p:cSld>
+  <p:clrMapOvr>
+    <a:masterClrMapping/>
+  </p:clrMapOvr>
+</p:sld>
+</file>
+
 <file path=ppt/slides/slide2.xml><?xml version="1.0" encoding="utf-8"?>
 <p:sld xmlns:a="http://schemas.openxmlformats.org/drawingml/2006/main" xmlns:r="http://schemas.openxmlformats.org/officeDocument/2006/relationships" xmlns:p="http://schemas.openxmlformats.org/presentationml/2006/main" showMasterSp="0">
   <p:cSld>
@@ -6354,6 +6696,109 @@
         </p:nvSpPr>
         <p:spPr>
           <a:xfrm>
+            <a:off x="228064" y="2063606"/>
+            <a:ext cx="11735872" cy="3711692"/>
+          </a:xfrm>
+        </p:spPr>
+        <p:txBody>
+          <a:bodyPr/>
+          <a:lstStyle/>
+          <a:p>
+            <a:pPr algn="ctr"/>
+            <a:r>
+              <a:rPr lang="pt-BR" sz="8000" b="0" i="0" dirty="0">
+                <a:solidFill>
+                  <a:schemeClr val="tx1"/>
+                </a:solidFill>
+                <a:effectLst/>
+                <a:latin typeface="Arial Black" panose="020B0A04020102020204" pitchFamily="34" charset="0"/>
+              </a:rPr>
+              <a:t>ALELUIA, CRISTO REVIVEU</a:t>
+            </a:r>
+            <a:br>
+              <a:rPr lang="pt-BR" sz="8000" dirty="0">
+                <a:solidFill>
+                  <a:schemeClr val="tx1"/>
+                </a:solidFill>
+                <a:latin typeface="Arial Black" panose="020B0A04020102020204" pitchFamily="34" charset="0"/>
+              </a:rPr>
+            </a:br>
+            <a:r>
+              <a:rPr lang="pt-BR" sz="8000" b="0" i="0" dirty="0">
+                <a:solidFill>
+                  <a:schemeClr val="tx1"/>
+                </a:solidFill>
+                <a:effectLst/>
+                <a:latin typeface="Arial Black" panose="020B0A04020102020204" pitchFamily="34" charset="0"/>
+              </a:rPr>
+              <a:t>ENTRE NÓS VIVE OUTRA VEZ</a:t>
+            </a:r>
+            <a:endParaRPr lang="pt-BR" sz="34400" b="1" dirty="0">
+              <a:solidFill>
+                <a:schemeClr val="tx1"/>
+              </a:solidFill>
+              <a:latin typeface="Arial Black" panose="020B0A04020102020204" pitchFamily="34" charset="0"/>
+              <a:cs typeface="Aharoni" panose="02010803020104030203" pitchFamily="2" charset="-79"/>
+            </a:endParaRPr>
+          </a:p>
+        </p:txBody>
+      </p:sp>
+    </p:spTree>
+    <p:extLst>
+      <p:ext uri="{BB962C8B-B14F-4D97-AF65-F5344CB8AC3E}">
+        <p14:creationId xmlns:p14="http://schemas.microsoft.com/office/powerpoint/2010/main" val="2648399118"/>
+      </p:ext>
+    </p:extLst>
+  </p:cSld>
+  <p:clrMapOvr>
+    <a:masterClrMapping/>
+  </p:clrMapOvr>
+</p:sld>
+</file>
+
+<file path=ppt/slides/slide8.xml><?xml version="1.0" encoding="utf-8"?>
+<p:sld xmlns:a="http://schemas.openxmlformats.org/drawingml/2006/main" xmlns:r="http://schemas.openxmlformats.org/officeDocument/2006/relationships" xmlns:p="http://schemas.openxmlformats.org/presentationml/2006/main" showMasterSp="0">
+  <p:cSld>
+    <p:bg>
+      <p:bgPr>
+        <a:blipFill dpi="0" rotWithShape="1">
+          <a:blip r:embed="rId2">
+            <a:lum/>
+          </a:blip>
+          <a:srcRect/>
+          <a:stretch>
+            <a:fillRect/>
+          </a:stretch>
+        </a:blipFill>
+        <a:effectLst/>
+      </p:bgPr>
+    </p:bg>
+    <p:spTree>
+      <p:nvGrpSpPr>
+        <p:cNvPr id="1" name=""/>
+        <p:cNvGrpSpPr/>
+        <p:nvPr/>
+      </p:nvGrpSpPr>
+      <p:grpSpPr>
+        <a:xfrm>
+          <a:off x="0" y="0"/>
+          <a:ext cx="0" cy="0"/>
+          <a:chOff x="0" y="0"/>
+          <a:chExt cx="0" cy="0"/>
+        </a:xfrm>
+      </p:grpSpPr>
+      <p:sp>
+        <p:nvSpPr>
+          <p:cNvPr id="2" name="Título 1"/>
+          <p:cNvSpPr>
+            <a:spLocks noGrp="1"/>
+          </p:cNvSpPr>
+          <p:nvPr>
+            <p:ph type="ctrTitle"/>
+          </p:nvPr>
+        </p:nvSpPr>
+        <p:spPr>
+          <a:xfrm>
             <a:off x="228064" y="2288893"/>
             <a:ext cx="11735872" cy="3711692"/>
           </a:xfrm>
@@ -6389,7 +6834,7 @@
 </p:sld>
 </file>
 
-<file path=ppt/slides/slide8.xml><?xml version="1.0" encoding="utf-8"?>
+<file path=ppt/slides/slide9.xml><?xml version="1.0" encoding="utf-8"?>
 <p:sld xmlns:a="http://schemas.openxmlformats.org/drawingml/2006/main" xmlns:r="http://schemas.openxmlformats.org/officeDocument/2006/relationships" xmlns:p="http://schemas.openxmlformats.org/presentationml/2006/main" showMasterSp="0">
   <p:cSld>
     <p:bg>
